--- a/CalendarioAgo24/Presentaciones/3_ModeloOSI.pptx
+++ b/CalendarioAgo24/Presentaciones/3_ModeloOSI.pptx
@@ -251,7 +251,7 @@
           <a:p>
             <a:fld id="{2D445F07-8756-451B-A938-0248325FC7BB}" type="datetimeFigureOut">
               <a:rPr lang="es-MX" smtClean="0"/>
-              <a:t>13/05/2024</a:t>
+              <a:t>27/10/2024</a:t>
             </a:fld>
             <a:endParaRPr lang="es-MX" dirty="0"/>
           </a:p>
@@ -1047,7 +1047,7 @@
               <a:pPr/>
               <a:t>26</a:t>
             </a:fld>
-            <a:endParaRPr lang="es-ES" sz="800"/>
+            <a:endParaRPr lang="es-ES" sz="800" dirty="0"/>
           </a:p>
         </p:txBody>
       </p:sp>
@@ -1132,15 +1132,7 @@
             </a:pPr>
             <a:r>
               <a:rPr lang="es-ES" dirty="0"/>
-              <a:t>1.1.2.2 – </a:t>
-            </a:r>
-            <a:r>
-              <a:rPr lang="es-ES" dirty="0" err="1"/>
-              <a:t>Gateways</a:t>
-            </a:r>
-            <a:r>
-              <a:rPr lang="es-ES" dirty="0"/>
-              <a:t> predeterminados</a:t>
+              <a:t>1.1.2.2 – Gateways predeterminados</a:t>
             </a:r>
           </a:p>
         </p:txBody>
@@ -1607,7 +1599,7 @@
           </a:bodyPr>
           <a:lstStyle/>
           <a:p>
-            <a:endParaRPr/>
+            <a:endParaRPr dirty="0"/>
           </a:p>
         </p:txBody>
       </p:sp>
@@ -1653,7 +1645,7 @@
           </a:bodyPr>
           <a:lstStyle/>
           <a:p>
-            <a:endParaRPr/>
+            <a:endParaRPr dirty="0"/>
           </a:p>
         </p:txBody>
       </p:sp>
@@ -2017,7 +2009,7 @@
                 <a:spcPct val="0"/>
               </a:spcBef>
             </a:pPr>
-            <a:endParaRPr lang="es-MX"/>
+            <a:endParaRPr lang="es-MX" dirty="0"/>
           </a:p>
         </p:txBody>
       </p:sp>
@@ -2163,7 +2155,7 @@
               <a:pPr/>
               <a:t>44</a:t>
             </a:fld>
-            <a:endParaRPr lang="es-MX" sz="1200"/>
+            <a:endParaRPr lang="es-MX" sz="1200" dirty="0"/>
           </a:p>
         </p:txBody>
       </p:sp>
@@ -2482,7 +2474,7 @@
               <a:pPr/>
               <a:t>10</a:t>
             </a:fld>
-            <a:endParaRPr lang="es-MX" sz="1200"/>
+            <a:endParaRPr lang="es-MX" sz="1200" dirty="0"/>
           </a:p>
         </p:txBody>
       </p:sp>
@@ -2567,7 +2559,7 @@
           <a:bodyPr/>
           <a:lstStyle/>
           <a:p>
-            <a:endParaRPr lang="es-MX"/>
+            <a:endParaRPr lang="es-MX" dirty="0"/>
           </a:p>
         </p:txBody>
       </p:sp>
@@ -2710,7 +2702,7 @@
               <a:pPr/>
               <a:t>11</a:t>
             </a:fld>
-            <a:endParaRPr lang="es-MX" sz="1200"/>
+            <a:endParaRPr lang="es-MX" sz="1200" dirty="0"/>
           </a:p>
         </p:txBody>
       </p:sp>
@@ -2795,7 +2787,7 @@
           <a:bodyPr/>
           <a:lstStyle/>
           <a:p>
-            <a:endParaRPr lang="es-MX"/>
+            <a:endParaRPr lang="es-MX" dirty="0"/>
           </a:p>
         </p:txBody>
       </p:sp>
@@ -2938,7 +2930,7 @@
               <a:pPr/>
               <a:t>12</a:t>
             </a:fld>
-            <a:endParaRPr lang="es-MX" sz="1200"/>
+            <a:endParaRPr lang="es-MX" sz="1200" dirty="0"/>
           </a:p>
         </p:txBody>
       </p:sp>
@@ -3023,7 +3015,7 @@
           <a:bodyPr/>
           <a:lstStyle/>
           <a:p>
-            <a:endParaRPr lang="es-MX"/>
+            <a:endParaRPr lang="es-MX" dirty="0"/>
           </a:p>
         </p:txBody>
       </p:sp>
@@ -3166,7 +3158,7 @@
               <a:pPr/>
               <a:t>13</a:t>
             </a:fld>
-            <a:endParaRPr lang="es-MX" sz="1200"/>
+            <a:endParaRPr lang="es-MX" sz="1200" dirty="0"/>
           </a:p>
         </p:txBody>
       </p:sp>
@@ -3251,7 +3243,7 @@
           <a:bodyPr/>
           <a:lstStyle/>
           <a:p>
-            <a:endParaRPr lang="es-MX"/>
+            <a:endParaRPr lang="es-MX" dirty="0"/>
           </a:p>
         </p:txBody>
       </p:sp>
@@ -3394,7 +3386,7 @@
               <a:pPr/>
               <a:t>17</a:t>
             </a:fld>
-            <a:endParaRPr lang="es-MX" sz="1200"/>
+            <a:endParaRPr lang="es-MX" sz="1200" dirty="0"/>
           </a:p>
         </p:txBody>
       </p:sp>
@@ -3479,7 +3471,7 @@
           <a:bodyPr/>
           <a:lstStyle/>
           <a:p>
-            <a:endParaRPr lang="es-MX"/>
+            <a:endParaRPr lang="es-MX" dirty="0"/>
           </a:p>
         </p:txBody>
       </p:sp>
@@ -3622,7 +3614,7 @@
               <a:pPr/>
               <a:t>18</a:t>
             </a:fld>
-            <a:endParaRPr lang="es-MX" sz="1200"/>
+            <a:endParaRPr lang="es-MX" sz="1200" dirty="0"/>
           </a:p>
         </p:txBody>
       </p:sp>
@@ -3820,7 +3812,7 @@
           <a:p>
             <a:fld id="{5E75A0DC-66C6-4CEC-A5EB-F8C97CEC3796}" type="datetimeFigureOut">
               <a:rPr lang="es-MX" smtClean="0"/>
-              <a:t>13/05/2024</a:t>
+              <a:t>27/10/2024</a:t>
             </a:fld>
             <a:endParaRPr lang="es-MX" dirty="0"/>
           </a:p>
@@ -3990,7 +3982,7 @@
           <a:p>
             <a:fld id="{5E75A0DC-66C6-4CEC-A5EB-F8C97CEC3796}" type="datetimeFigureOut">
               <a:rPr lang="es-MX" smtClean="0"/>
-              <a:t>13/05/2024</a:t>
+              <a:t>27/10/2024</a:t>
             </a:fld>
             <a:endParaRPr lang="es-MX" dirty="0"/>
           </a:p>
@@ -4170,7 +4162,7 @@
           <a:p>
             <a:fld id="{5E75A0DC-66C6-4CEC-A5EB-F8C97CEC3796}" type="datetimeFigureOut">
               <a:rPr lang="es-MX" smtClean="0"/>
-              <a:t>13/05/2024</a:t>
+              <a:t>27/10/2024</a:t>
             </a:fld>
             <a:endParaRPr lang="es-MX" dirty="0"/>
           </a:p>
@@ -4645,7 +4637,7 @@
           <a:p>
             <a:fld id="{5E75A0DC-66C6-4CEC-A5EB-F8C97CEC3796}" type="datetimeFigureOut">
               <a:rPr lang="es-MX" smtClean="0"/>
-              <a:t>13/05/2024</a:t>
+              <a:t>27/10/2024</a:t>
             </a:fld>
             <a:endParaRPr lang="es-MX" dirty="0"/>
           </a:p>
@@ -4891,7 +4883,7 @@
           <a:p>
             <a:fld id="{5E75A0DC-66C6-4CEC-A5EB-F8C97CEC3796}" type="datetimeFigureOut">
               <a:rPr lang="es-MX" smtClean="0"/>
-              <a:t>13/05/2024</a:t>
+              <a:t>27/10/2024</a:t>
             </a:fld>
             <a:endParaRPr lang="es-MX" dirty="0"/>
           </a:p>
@@ -5179,7 +5171,7 @@
           <a:p>
             <a:fld id="{5E75A0DC-66C6-4CEC-A5EB-F8C97CEC3796}" type="datetimeFigureOut">
               <a:rPr lang="es-MX" smtClean="0"/>
-              <a:t>13/05/2024</a:t>
+              <a:t>27/10/2024</a:t>
             </a:fld>
             <a:endParaRPr lang="es-MX" dirty="0"/>
           </a:p>
@@ -5601,7 +5593,7 @@
           <a:p>
             <a:fld id="{5E75A0DC-66C6-4CEC-A5EB-F8C97CEC3796}" type="datetimeFigureOut">
               <a:rPr lang="es-MX" smtClean="0"/>
-              <a:t>13/05/2024</a:t>
+              <a:t>27/10/2024</a:t>
             </a:fld>
             <a:endParaRPr lang="es-MX" dirty="0"/>
           </a:p>
@@ -5719,7 +5711,7 @@
           <a:p>
             <a:fld id="{5E75A0DC-66C6-4CEC-A5EB-F8C97CEC3796}" type="datetimeFigureOut">
               <a:rPr lang="es-MX" smtClean="0"/>
-              <a:t>13/05/2024</a:t>
+              <a:t>27/10/2024</a:t>
             </a:fld>
             <a:endParaRPr lang="es-MX" dirty="0"/>
           </a:p>
@@ -5814,7 +5806,7 @@
           <a:p>
             <a:fld id="{5E75A0DC-66C6-4CEC-A5EB-F8C97CEC3796}" type="datetimeFigureOut">
               <a:rPr lang="es-MX" smtClean="0"/>
-              <a:t>13/05/2024</a:t>
+              <a:t>27/10/2024</a:t>
             </a:fld>
             <a:endParaRPr lang="es-MX" dirty="0"/>
           </a:p>
@@ -6091,7 +6083,7 @@
           <a:p>
             <a:fld id="{5E75A0DC-66C6-4CEC-A5EB-F8C97CEC3796}" type="datetimeFigureOut">
               <a:rPr lang="es-MX" smtClean="0"/>
-              <a:t>13/05/2024</a:t>
+              <a:t>27/10/2024</a:t>
             </a:fld>
             <a:endParaRPr lang="es-MX" dirty="0"/>
           </a:p>
@@ -6344,7 +6336,7 @@
           <a:p>
             <a:fld id="{5E75A0DC-66C6-4CEC-A5EB-F8C97CEC3796}" type="datetimeFigureOut">
               <a:rPr lang="es-MX" smtClean="0"/>
-              <a:t>13/05/2024</a:t>
+              <a:t>27/10/2024</a:t>
             </a:fld>
             <a:endParaRPr lang="es-MX" dirty="0"/>
           </a:p>
@@ -6557,7 +6549,7 @@
           <a:p>
             <a:fld id="{5E75A0DC-66C6-4CEC-A5EB-F8C97CEC3796}" type="datetimeFigureOut">
               <a:rPr lang="es-MX" smtClean="0"/>
-              <a:t>13/05/2024</a:t>
+              <a:t>27/10/2024</a:t>
             </a:fld>
             <a:endParaRPr lang="es-MX" dirty="0"/>
           </a:p>
@@ -9417,51 +9409,7 @@
                 </a:solidFill>
                 <a:latin typeface="Calibri" panose="020F0502020204030204" pitchFamily="34" charset="0"/>
               </a:rPr>
-              <a:t>(</a:t>
-            </a:r>
-            <a:r>
-              <a:rPr lang="es-MX" sz="2400" dirty="0" err="1">
-                <a:solidFill>
-                  <a:schemeClr val="accent5">
-                    <a:lumMod val="75000"/>
-                  </a:schemeClr>
-                </a:solidFill>
-                <a:latin typeface="Calibri" panose="020F0502020204030204" pitchFamily="34" charset="0"/>
-              </a:rPr>
-              <a:t>Secure</a:t>
-            </a:r>
-            <a:r>
-              <a:rPr lang="es-MX" sz="2400" dirty="0">
-                <a:solidFill>
-                  <a:schemeClr val="accent5">
-                    <a:lumMod val="75000"/>
-                  </a:schemeClr>
-                </a:solidFill>
-                <a:latin typeface="Calibri" panose="020F0502020204030204" pitchFamily="34" charset="0"/>
-              </a:rPr>
-              <a:t> </a:t>
-            </a:r>
-            <a:r>
-              <a:rPr lang="es-MX" sz="2400" dirty="0" err="1">
-                <a:solidFill>
-                  <a:schemeClr val="accent5">
-                    <a:lumMod val="75000"/>
-                  </a:schemeClr>
-                </a:solidFill>
-                <a:latin typeface="Calibri" panose="020F0502020204030204" pitchFamily="34" charset="0"/>
-              </a:rPr>
-              <a:t>SHell</a:t>
-            </a:r>
-            <a:r>
-              <a:rPr lang="es-MX" sz="2400" dirty="0">
-                <a:solidFill>
-                  <a:schemeClr val="accent5">
-                    <a:lumMod val="75000"/>
-                  </a:schemeClr>
-                </a:solidFill>
-                <a:latin typeface="Calibri" panose="020F0502020204030204" pitchFamily="34" charset="0"/>
-              </a:rPr>
-              <a:t>)</a:t>
+              <a:t>(Secure SHell)</a:t>
             </a:r>
           </a:p>
         </p:txBody>
@@ -12663,7 +12611,7 @@
             </a:lvl9pPr>
           </a:lstStyle>
           <a:p>
-            <a:endParaRPr/>
+            <a:endParaRPr dirty="0"/>
           </a:p>
         </p:txBody>
       </p:sp>
@@ -14244,51 +14192,7 @@
                 </a:solidFill>
                 <a:cs typeface="Times New Roman" panose="02020603050405020304" pitchFamily="18" charset="0"/>
               </a:rPr>
-              <a:t>(Protocolo de Control de Transmisión/</a:t>
-            </a:r>
-            <a:r>
-              <a:rPr lang="es-MX" sz="1400" i="1" dirty="0" err="1">
-                <a:solidFill>
-                  <a:schemeClr val="bg2">
-                    <a:lumMod val="25000"/>
-                  </a:schemeClr>
-                </a:solidFill>
-                <a:cs typeface="Times New Roman" panose="02020603050405020304" pitchFamily="18" charset="0"/>
-              </a:rPr>
-              <a:t>Transmission</a:t>
-            </a:r>
-            <a:r>
-              <a:rPr lang="es-MX" sz="1400" i="1" dirty="0">
-                <a:solidFill>
-                  <a:schemeClr val="bg2">
-                    <a:lumMod val="25000"/>
-                  </a:schemeClr>
-                </a:solidFill>
-                <a:cs typeface="Times New Roman" panose="02020603050405020304" pitchFamily="18" charset="0"/>
-              </a:rPr>
-              <a:t> Control </a:t>
-            </a:r>
-            <a:r>
-              <a:rPr lang="es-MX" sz="1400" i="1" dirty="0" err="1">
-                <a:solidFill>
-                  <a:schemeClr val="bg2">
-                    <a:lumMod val="25000"/>
-                  </a:schemeClr>
-                </a:solidFill>
-                <a:cs typeface="Times New Roman" panose="02020603050405020304" pitchFamily="18" charset="0"/>
-              </a:rPr>
-              <a:t>Protocol</a:t>
-            </a:r>
-            <a:r>
-              <a:rPr lang="es-MX" sz="1400" i="1" dirty="0">
-                <a:solidFill>
-                  <a:schemeClr val="bg2">
-                    <a:lumMod val="25000"/>
-                  </a:schemeClr>
-                </a:solidFill>
-                <a:cs typeface="Times New Roman" panose="02020603050405020304" pitchFamily="18" charset="0"/>
-              </a:rPr>
-              <a:t>)</a:t>
+              <a:t>(Protocolo de Control de Transmisión/Transmission Control Protocol)</a:t>
             </a:r>
           </a:p>
           <a:p>
@@ -14414,73 +14318,7 @@
                 </a:solidFill>
                 <a:cs typeface="Times New Roman" panose="02020603050405020304" pitchFamily="18" charset="0"/>
               </a:rPr>
-              <a:t>(Protocolo de Datagrama de Usuario/</a:t>
-            </a:r>
-            <a:r>
-              <a:rPr lang="es-MX" sz="1400" i="1" dirty="0" err="1">
-                <a:solidFill>
-                  <a:schemeClr val="bg2">
-                    <a:lumMod val="25000"/>
-                  </a:schemeClr>
-                </a:solidFill>
-                <a:cs typeface="Times New Roman" panose="02020603050405020304" pitchFamily="18" charset="0"/>
-              </a:rPr>
-              <a:t>User</a:t>
-            </a:r>
-            <a:r>
-              <a:rPr lang="es-MX" sz="1400" i="1" dirty="0">
-                <a:solidFill>
-                  <a:schemeClr val="bg2">
-                    <a:lumMod val="25000"/>
-                  </a:schemeClr>
-                </a:solidFill>
-                <a:cs typeface="Times New Roman" panose="02020603050405020304" pitchFamily="18" charset="0"/>
-              </a:rPr>
-              <a:t> </a:t>
-            </a:r>
-            <a:r>
-              <a:rPr lang="es-MX" sz="1400" i="1" dirty="0" err="1">
-                <a:solidFill>
-                  <a:schemeClr val="bg2">
-                    <a:lumMod val="25000"/>
-                  </a:schemeClr>
-                </a:solidFill>
-                <a:cs typeface="Times New Roman" panose="02020603050405020304" pitchFamily="18" charset="0"/>
-              </a:rPr>
-              <a:t>Datagram</a:t>
-            </a:r>
-            <a:r>
-              <a:rPr lang="es-MX" sz="1400" i="1" dirty="0">
-                <a:solidFill>
-                  <a:schemeClr val="bg2">
-                    <a:lumMod val="25000"/>
-                  </a:schemeClr>
-                </a:solidFill>
-                <a:cs typeface="Times New Roman" panose="02020603050405020304" pitchFamily="18" charset="0"/>
-              </a:rPr>
-              <a:t> </a:t>
-            </a:r>
-            <a:r>
-              <a:rPr lang="es-MX" sz="1400" i="1" dirty="0" err="1">
-                <a:solidFill>
-                  <a:schemeClr val="bg2">
-                    <a:lumMod val="25000"/>
-                  </a:schemeClr>
-                </a:solidFill>
-                <a:cs typeface="Times New Roman" panose="02020603050405020304" pitchFamily="18" charset="0"/>
-              </a:rPr>
-              <a:t>Protocol</a:t>
-            </a:r>
-            <a:r>
-              <a:rPr lang="es-MX" sz="1400" i="1" dirty="0">
-                <a:solidFill>
-                  <a:schemeClr val="bg2">
-                    <a:lumMod val="25000"/>
-                  </a:schemeClr>
-                </a:solidFill>
-                <a:cs typeface="Times New Roman" panose="02020603050405020304" pitchFamily="18" charset="0"/>
-              </a:rPr>
-              <a:t>)</a:t>
+              <a:t>(Protocolo de Datagrama de Usuario/User Datagram Protocol)</a:t>
             </a:r>
           </a:p>
           <a:p>
@@ -15556,7 +15394,7 @@
             <a:lstStyle/>
             <a:p>
               <a:pPr algn="ctr"/>
-              <a:endParaRPr lang="es-MX"/>
+              <a:endParaRPr lang="es-MX" dirty="0"/>
             </a:p>
           </p:txBody>
         </p:sp>
@@ -15733,31 +15571,7 @@
               <a:rPr lang="es-MX" sz="1400" dirty="0">
                 <a:latin typeface="ZapfHumnst BT"/>
               </a:rPr>
-              <a:t>(Protocolo de Control de Transmisión/</a:t>
-            </a:r>
-            <a:r>
-              <a:rPr lang="es-MX" sz="1400" dirty="0" err="1">
-                <a:latin typeface="ZapfHumnst BT"/>
-              </a:rPr>
-              <a:t>Transmission</a:t>
-            </a:r>
-            <a:r>
-              <a:rPr lang="es-MX" sz="1400" dirty="0">
-                <a:latin typeface="ZapfHumnst BT"/>
-              </a:rPr>
-              <a:t> Control </a:t>
-            </a:r>
-            <a:r>
-              <a:rPr lang="es-MX" sz="1400" dirty="0" err="1">
-                <a:latin typeface="ZapfHumnst BT"/>
-              </a:rPr>
-              <a:t>Protocol</a:t>
-            </a:r>
-            <a:r>
-              <a:rPr lang="es-MX" sz="1400" dirty="0">
-                <a:latin typeface="ZapfHumnst BT"/>
-              </a:rPr>
-              <a:t>)</a:t>
+              <a:t>(Protocolo de Control de Transmisión/Transmission Control Protocol)</a:t>
             </a:r>
           </a:p>
           <a:p>
@@ -16476,7 +16290,7 @@
             <a:lstStyle/>
             <a:p>
               <a:pPr algn="ctr"/>
-              <a:endParaRPr lang="es-MX"/>
+              <a:endParaRPr lang="es-MX" dirty="0"/>
             </a:p>
           </p:txBody>
         </p:sp>
@@ -16653,31 +16467,7 @@
               <a:rPr lang="es-MX" sz="1400" dirty="0">
                 <a:latin typeface="ZapfHumnst BT"/>
               </a:rPr>
-              <a:t>(Protocolo de Datagrama de Usuario/User </a:t>
-            </a:r>
-            <a:r>
-              <a:rPr lang="es-MX" sz="1400" dirty="0" err="1">
-                <a:latin typeface="ZapfHumnst BT"/>
-              </a:rPr>
-              <a:t>Datagram</a:t>
-            </a:r>
-            <a:r>
-              <a:rPr lang="es-MX" sz="1400" dirty="0">
-                <a:latin typeface="ZapfHumnst BT"/>
-              </a:rPr>
-              <a:t> </a:t>
-            </a:r>
-            <a:r>
-              <a:rPr lang="es-MX" sz="1400" dirty="0" err="1">
-                <a:latin typeface="ZapfHumnst BT"/>
-              </a:rPr>
-              <a:t>Protocol</a:t>
-            </a:r>
-            <a:r>
-              <a:rPr lang="es-MX" sz="1400" dirty="0">
-                <a:latin typeface="ZapfHumnst BT"/>
-              </a:rPr>
-              <a:t>)</a:t>
+              <a:t>(Protocolo de Datagrama de Usuario/User Datagram Protocol)</a:t>
             </a:r>
           </a:p>
           <a:p>
@@ -16859,16 +16649,10 @@
               <a:buChar char="o"/>
             </a:pPr>
             <a:r>
-              <a:rPr lang="es-MX" sz="1400" dirty="0" err="1">
-                <a:latin typeface="ZapfHumnst BT"/>
-              </a:rPr>
-              <a:t>Streaming</a:t>
-            </a:r>
-            <a:r>
               <a:rPr lang="es-MX" sz="1400" dirty="0">
                 <a:latin typeface="ZapfHumnst BT"/>
               </a:rPr>
-              <a:t> video (distribución digital de contenido multimedia)</a:t>
+              <a:t>Streaming video (distribución digital de contenido multimedia)</a:t>
             </a:r>
           </a:p>
           <a:p>
@@ -16883,17 +16667,8 @@
               <a:rPr lang="es-MX" sz="1400" dirty="0">
                 <a:latin typeface="ZapfHumnst BT"/>
               </a:rPr>
-              <a:t>Voz sobre </a:t>
-            </a:r>
-            <a:r>
-              <a:rPr lang="es-MX" sz="1400" dirty="0" err="1">
-                <a:latin typeface="ZapfHumnst BT"/>
-              </a:rPr>
-              <a:t>ip</a:t>
-            </a:r>
-            <a:endParaRPr lang="es-MX" sz="1400" dirty="0">
-              <a:latin typeface="ZapfHumnst BT"/>
-            </a:endParaRPr>
+              <a:t>Voz sobre IP</a:t>
+            </a:r>
           </a:p>
           <a:p>
             <a:pPr marL="514350" lvl="1" indent="-285750">
@@ -17603,7 +17378,7 @@
             </a:lvl9pPr>
           </a:lstStyle>
           <a:p>
-            <a:endParaRPr/>
+            <a:endParaRPr dirty="0"/>
           </a:p>
         </p:txBody>
       </p:sp>
@@ -17993,29 +17768,7 @@
                 </a:solidFill>
                 <a:latin typeface="+mn-lt"/>
               </a:rPr>
-              <a:t> (Internet </a:t>
-            </a:r>
-            <a:r>
-              <a:rPr lang="es-MX" sz="1600" dirty="0" err="1">
-                <a:solidFill>
-                  <a:schemeClr val="bg2">
-                    <a:lumMod val="25000"/>
-                  </a:schemeClr>
-                </a:solidFill>
-                <a:latin typeface="+mn-lt"/>
-              </a:rPr>
-              <a:t>Protocol</a:t>
-            </a:r>
-            <a:r>
-              <a:rPr lang="es-MX" sz="1600" dirty="0">
-                <a:solidFill>
-                  <a:schemeClr val="bg2">
-                    <a:lumMod val="25000"/>
-                  </a:schemeClr>
-                </a:solidFill>
-                <a:latin typeface="+mn-lt"/>
-              </a:rPr>
-              <a:t>). </a:t>
+              <a:t> (Internet Protocol). </a:t>
             </a:r>
             <a:endParaRPr lang="es-MX" sz="1600" dirty="0">
               <a:solidFill>
@@ -18937,7 +18690,7 @@
               <a:t>Dispositivo que opera en esta capa: </a:t>
             </a:r>
             <a:r>
-              <a:rPr lang="es-MX" sz="1800" b="1" dirty="0" err="1">
+              <a:rPr lang="es-MX" sz="1800" b="1" dirty="0">
                 <a:solidFill>
                   <a:schemeClr val="accent6">
                     <a:lumMod val="75000"/>
@@ -19706,10 +19459,10 @@
                 </a:solidFill>
                 <a:latin typeface="ZapfHumnst BT"/>
               </a:rPr>
-              <a:t>(Internet Control </a:t>
-            </a:r>
-            <a:r>
-              <a:rPr lang="es-MX" b="1" dirty="0" err="1">
+              <a:t>(Internet Control Message Protocol)  </a:t>
+            </a:r>
+            <a:r>
+              <a:rPr lang="es-MX" sz="1600" dirty="0">
                 <a:solidFill>
                   <a:schemeClr val="bg2">
                     <a:lumMod val="25000"/>
@@ -19717,10 +19470,10 @@
                 </a:solidFill>
                 <a:latin typeface="ZapfHumnst BT"/>
               </a:rPr>
-              <a:t>Message</a:t>
-            </a:r>
-            <a:r>
-              <a:rPr lang="es-MX" b="1" dirty="0">
+              <a:t>Protocolo de mensajes de control de Internet</a:t>
+            </a:r>
+            <a:r>
+              <a:rPr lang="es-MX" sz="1800" dirty="0">
                 <a:solidFill>
                   <a:schemeClr val="bg2">
                     <a:lumMod val="25000"/>
@@ -19728,10 +19481,10 @@
                 </a:solidFill>
                 <a:latin typeface="ZapfHumnst BT"/>
               </a:rPr>
-              <a:t> </a:t>
-            </a:r>
-            <a:r>
-              <a:rPr lang="es-MX" b="1" dirty="0" err="1">
+              <a:t>: </a:t>
+            </a:r>
+            <a:r>
+              <a:rPr lang="es-MX" sz="1600" dirty="0">
                 <a:solidFill>
                   <a:schemeClr val="bg2">
                     <a:lumMod val="25000"/>
@@ -19739,71 +19492,8 @@
                 </a:solidFill>
                 <a:latin typeface="ZapfHumnst BT"/>
               </a:rPr>
-              <a:t>Protocol</a:t>
-            </a:r>
-            <a:r>
-              <a:rPr lang="es-MX" b="1" dirty="0">
-                <a:solidFill>
-                  <a:schemeClr val="bg2">
-                    <a:lumMod val="25000"/>
-                  </a:schemeClr>
-                </a:solidFill>
-                <a:latin typeface="ZapfHumnst BT"/>
-              </a:rPr>
-              <a:t>)  </a:t>
-            </a:r>
-            <a:r>
-              <a:rPr lang="es-MX" sz="1600" dirty="0">
-                <a:solidFill>
-                  <a:schemeClr val="bg2">
-                    <a:lumMod val="25000"/>
-                  </a:schemeClr>
-                </a:solidFill>
-                <a:latin typeface="ZapfHumnst BT"/>
-              </a:rPr>
-              <a:t>Protocolo de mensajes de control de Internet</a:t>
-            </a:r>
-            <a:r>
-              <a:rPr lang="es-MX" sz="1800" dirty="0">
-                <a:solidFill>
-                  <a:schemeClr val="bg2">
-                    <a:lumMod val="25000"/>
-                  </a:schemeClr>
-                </a:solidFill>
-                <a:latin typeface="ZapfHumnst BT"/>
-              </a:rPr>
-              <a:t>: </a:t>
-            </a:r>
-            <a:r>
-              <a:rPr lang="es-MX" sz="1600" dirty="0">
-                <a:solidFill>
-                  <a:schemeClr val="bg2">
-                    <a:lumMod val="25000"/>
-                  </a:schemeClr>
-                </a:solidFill>
-                <a:latin typeface="ZapfHumnst BT"/>
-              </a:rPr>
-              <a:t>Ping y </a:t>
-            </a:r>
-            <a:r>
-              <a:rPr lang="es-MX" sz="1600" dirty="0" err="1">
-                <a:solidFill>
-                  <a:schemeClr val="bg2">
-                    <a:lumMod val="25000"/>
-                  </a:schemeClr>
-                </a:solidFill>
-                <a:latin typeface="ZapfHumnst BT"/>
-              </a:rPr>
-              <a:t>tracert</a:t>
-            </a:r>
-            <a:endParaRPr lang="es-MX" sz="1600" dirty="0">
-              <a:solidFill>
-                <a:schemeClr val="bg2">
-                  <a:lumMod val="25000"/>
-                </a:schemeClr>
-              </a:solidFill>
-              <a:latin typeface="ZapfHumnst BT"/>
-            </a:endParaRPr>
+              <a:t>Ping y tracert</a:t>
+            </a:r>
           </a:p>
           <a:p>
             <a:pPr marL="285750" indent="-285750" algn="just" eaLnBrk="0" hangingPunct="0">
@@ -20060,103 +19750,7 @@
                 </a:effectLst>
                 <a:latin typeface="Dom Casual" charset="0"/>
               </a:rPr>
-              <a:t>ARP (</a:t>
-            </a:r>
-            <a:r>
-              <a:rPr lang="es-ES" sz="3600" b="1" dirty="0" err="1">
-                <a:solidFill>
-                  <a:schemeClr val="accent4">
-                    <a:lumMod val="50000"/>
-                  </a:schemeClr>
-                </a:solidFill>
-                <a:effectLst>
-                  <a:outerShdw blurRad="38100" dist="38100" dir="2700000" algn="tl">
-                    <a:srgbClr val="C0C0C0"/>
-                  </a:outerShdw>
-                </a:effectLst>
-                <a:latin typeface="Dom Casual" charset="0"/>
-              </a:rPr>
-              <a:t>Address</a:t>
-            </a:r>
-            <a:r>
-              <a:rPr lang="es-ES" sz="3600" b="1" dirty="0">
-                <a:solidFill>
-                  <a:schemeClr val="accent4">
-                    <a:lumMod val="50000"/>
-                  </a:schemeClr>
-                </a:solidFill>
-                <a:effectLst>
-                  <a:outerShdw blurRad="38100" dist="38100" dir="2700000" algn="tl">
-                    <a:srgbClr val="C0C0C0"/>
-                  </a:outerShdw>
-                </a:effectLst>
-                <a:latin typeface="Dom Casual" charset="0"/>
-              </a:rPr>
-              <a:t> </a:t>
-            </a:r>
-            <a:r>
-              <a:rPr lang="es-ES" sz="3600" b="1" dirty="0" err="1">
-                <a:solidFill>
-                  <a:schemeClr val="accent4">
-                    <a:lumMod val="50000"/>
-                  </a:schemeClr>
-                </a:solidFill>
-                <a:effectLst>
-                  <a:outerShdw blurRad="38100" dist="38100" dir="2700000" algn="tl">
-                    <a:srgbClr val="C0C0C0"/>
-                  </a:outerShdw>
-                </a:effectLst>
-                <a:latin typeface="Dom Casual" charset="0"/>
-              </a:rPr>
-              <a:t>Resolution</a:t>
-            </a:r>
-            <a:r>
-              <a:rPr lang="es-ES" sz="3600" b="1" dirty="0">
-                <a:solidFill>
-                  <a:schemeClr val="accent4">
-                    <a:lumMod val="50000"/>
-                  </a:schemeClr>
-                </a:solidFill>
-                <a:effectLst>
-                  <a:outerShdw blurRad="38100" dist="38100" dir="2700000" algn="tl">
-                    <a:srgbClr val="C0C0C0"/>
-                  </a:outerShdw>
-                </a:effectLst>
-                <a:latin typeface="Dom Casual" charset="0"/>
-              </a:rPr>
-              <a:t> </a:t>
-            </a:r>
-            <a:r>
-              <a:rPr lang="es-ES" sz="3600" b="1" dirty="0" err="1">
-                <a:solidFill>
-                  <a:schemeClr val="accent4">
-                    <a:lumMod val="50000"/>
-                  </a:schemeClr>
-                </a:solidFill>
-                <a:effectLst>
-                  <a:outerShdw blurRad="38100" dist="38100" dir="2700000" algn="tl">
-                    <a:srgbClr val="C0C0C0"/>
-                  </a:outerShdw>
-                </a:effectLst>
-                <a:latin typeface="Dom Casual" charset="0"/>
-              </a:rPr>
-              <a:t>Protocol</a:t>
-            </a:r>
-            <a:r>
-              <a:rPr lang="es-ES" sz="3600" b="1" dirty="0">
-                <a:solidFill>
-                  <a:schemeClr val="accent4">
-                    <a:lumMod val="50000"/>
-                  </a:schemeClr>
-                </a:solidFill>
-                <a:effectLst>
-                  <a:outerShdw blurRad="38100" dist="38100" dir="2700000" algn="tl">
-                    <a:srgbClr val="C0C0C0"/>
-                  </a:outerShdw>
-                </a:effectLst>
-                <a:latin typeface="Dom Casual" charset="0"/>
-              </a:rPr>
-              <a:t>)</a:t>
+              <a:t>ARP (Address Resolution Protocol)</a:t>
             </a:r>
           </a:p>
         </p:txBody>
@@ -20783,7 +20377,7 @@
                   </a:schemeClr>
                 </a:solidFill>
               </a:rPr>
-              <a:t>Embebido de fábrica en el hardware y no cambia aunque el dispositivo cambie de red.</a:t>
+              <a:t>Embebido de fábrica en el hardware y no cambia, aunque el dispositivo cambie de red.</a:t>
             </a:r>
             <a:endParaRPr lang="es-MX" dirty="0">
               <a:solidFill>
@@ -21762,7 +21356,7 @@
             </a:lvl9pPr>
           </a:lstStyle>
           <a:p>
-            <a:endParaRPr/>
+            <a:endParaRPr dirty="0"/>
           </a:p>
         </p:txBody>
       </p:sp>
@@ -22182,29 +21776,7 @@
                 </a:solidFill>
                 <a:latin typeface="+mn-lt"/>
               </a:rPr>
-              <a:t>Access-</a:t>
-            </a:r>
-            <a:r>
-              <a:rPr lang="es-MX" sz="1900" b="1" dirty="0" err="1">
-                <a:solidFill>
-                  <a:schemeClr val="accent6">
-                    <a:lumMod val="75000"/>
-                  </a:schemeClr>
-                </a:solidFill>
-                <a:latin typeface="+mn-lt"/>
-              </a:rPr>
-              <a:t>Points</a:t>
-            </a:r>
-            <a:r>
-              <a:rPr lang="es-MX" sz="1900" b="1" dirty="0">
-                <a:solidFill>
-                  <a:schemeClr val="accent6">
-                    <a:lumMod val="75000"/>
-                  </a:schemeClr>
-                </a:solidFill>
-                <a:latin typeface="+mn-lt"/>
-              </a:rPr>
-              <a:t>.</a:t>
+              <a:t>Access-Points.</a:t>
             </a:r>
           </a:p>
         </p:txBody>
@@ -22570,7 +22142,7 @@
             </a:lvl9pPr>
           </a:lstStyle>
           <a:p>
-            <a:endParaRPr/>
+            <a:endParaRPr dirty="0"/>
           </a:p>
         </p:txBody>
       </p:sp>
@@ -22699,7 +22271,7 @@
             </a:lvl9pPr>
           </a:lstStyle>
           <a:p>
-            <a:endParaRPr/>
+            <a:endParaRPr dirty="0"/>
           </a:p>
         </p:txBody>
       </p:sp>
@@ -22999,7 +22571,7 @@
             </a:lvl9pPr>
           </a:lstStyle>
           <a:p>
-            <a:endParaRPr/>
+            <a:endParaRPr dirty="0"/>
           </a:p>
         </p:txBody>
       </p:sp>
@@ -23128,7 +22700,7 @@
             </a:lvl9pPr>
           </a:lstStyle>
           <a:p>
-            <a:endParaRPr/>
+            <a:endParaRPr dirty="0"/>
           </a:p>
         </p:txBody>
       </p:sp>
@@ -23884,55 +23456,7 @@
                 <a:latin typeface="ZapfHumnst BT"/>
                 <a:cs typeface="Arial" pitchFamily="34" charset="0"/>
               </a:rPr>
-              <a:t>Open </a:t>
-            </a:r>
-            <a:r>
-              <a:rPr lang="es-MX" b="1" dirty="0" err="1">
-                <a:solidFill>
-                  <a:schemeClr val="accent5">
-                    <a:lumMod val="75000"/>
-                  </a:schemeClr>
-                </a:solidFill>
-                <a:latin typeface="ZapfHumnst BT"/>
-                <a:cs typeface="Arial" pitchFamily="34" charset="0"/>
-              </a:rPr>
-              <a:t>System</a:t>
-            </a:r>
-            <a:r>
-              <a:rPr lang="es-MX" b="1" dirty="0">
-                <a:solidFill>
-                  <a:schemeClr val="accent5">
-                    <a:lumMod val="75000"/>
-                  </a:schemeClr>
-                </a:solidFill>
-                <a:latin typeface="ZapfHumnst BT"/>
-                <a:cs typeface="Arial" pitchFamily="34" charset="0"/>
-              </a:rPr>
-              <a:t> </a:t>
-            </a:r>
-            <a:r>
-              <a:rPr lang="es-MX" b="1" dirty="0" err="1">
-                <a:solidFill>
-                  <a:schemeClr val="accent5">
-                    <a:lumMod val="75000"/>
-                  </a:schemeClr>
-                </a:solidFill>
-                <a:latin typeface="ZapfHumnst BT"/>
-                <a:cs typeface="Arial" pitchFamily="34" charset="0"/>
-              </a:rPr>
-              <a:t>Interconnection</a:t>
-            </a:r>
-            <a:r>
-              <a:rPr lang="es-MX" b="1" dirty="0">
-                <a:solidFill>
-                  <a:schemeClr val="accent5">
-                    <a:lumMod val="75000"/>
-                  </a:schemeClr>
-                </a:solidFill>
-                <a:latin typeface="ZapfHumnst BT"/>
-                <a:cs typeface="Arial" pitchFamily="34" charset="0"/>
-              </a:rPr>
-              <a:t> (OSI)</a:t>
+              <a:t>Open System Interconnection (OSI)</a:t>
             </a:r>
           </a:p>
         </p:txBody>
@@ -24156,55 +23680,7 @@
                 <a:latin typeface="+mn-lt"/>
                 <a:cs typeface="Arial" pitchFamily="34" charset="0"/>
               </a:rPr>
-              <a:t>creó en 1984 el modelo de referencia OSI (Open </a:t>
-            </a:r>
-            <a:r>
-              <a:rPr lang="es-MX" sz="2000" dirty="0" err="1">
-                <a:solidFill>
-                  <a:schemeClr val="bg2">
-                    <a:lumMod val="25000"/>
-                  </a:schemeClr>
-                </a:solidFill>
-                <a:latin typeface="+mn-lt"/>
-                <a:cs typeface="Arial" pitchFamily="34" charset="0"/>
-              </a:rPr>
-              <a:t>System</a:t>
-            </a:r>
-            <a:r>
-              <a:rPr lang="es-MX" sz="2000" dirty="0">
-                <a:solidFill>
-                  <a:schemeClr val="bg2">
-                    <a:lumMod val="25000"/>
-                  </a:schemeClr>
-                </a:solidFill>
-                <a:latin typeface="+mn-lt"/>
-                <a:cs typeface="Arial" pitchFamily="34" charset="0"/>
-              </a:rPr>
-              <a:t> </a:t>
-            </a:r>
-            <a:r>
-              <a:rPr lang="es-MX" sz="2000" dirty="0" err="1">
-                <a:solidFill>
-                  <a:schemeClr val="bg2">
-                    <a:lumMod val="25000"/>
-                  </a:schemeClr>
-                </a:solidFill>
-                <a:latin typeface="+mn-lt"/>
-                <a:cs typeface="Arial" pitchFamily="34" charset="0"/>
-              </a:rPr>
-              <a:t>Interconnected</a:t>
-            </a:r>
-            <a:r>
-              <a:rPr lang="es-MX" sz="2000" dirty="0">
-                <a:solidFill>
-                  <a:schemeClr val="bg2">
-                    <a:lumMod val="25000"/>
-                  </a:schemeClr>
-                </a:solidFill>
-                <a:latin typeface="+mn-lt"/>
-                <a:cs typeface="Arial" pitchFamily="34" charset="0"/>
-              </a:rPr>
-              <a:t>)</a:t>
+              <a:t>creó en 1984 el modelo de referencia OSI (Open System Interconnected)</a:t>
             </a:r>
           </a:p>
         </p:txBody>
@@ -25591,18 +25067,7 @@
                 </a:solidFill>
                 <a:latin typeface="+mn-lt"/>
               </a:rPr>
-              <a:t>Amplificadores, repetidores, </a:t>
-            </a:r>
-            <a:r>
-              <a:rPr lang="es-MX" sz="1900" b="1" dirty="0" err="1">
-                <a:solidFill>
-                  <a:schemeClr val="accent6">
-                    <a:lumMod val="75000"/>
-                  </a:schemeClr>
-                </a:solidFill>
-                <a:latin typeface="+mn-lt"/>
-              </a:rPr>
-              <a:t>hubs</a:t>
+              <a:t>Amplificadores, repetidores, hubs</a:t>
             </a:r>
             <a:r>
               <a:rPr lang="es-MX" sz="1900" dirty="0">
@@ -26623,15 +26088,7 @@
             </a:r>
             <a:r>
               <a:rPr lang="es-ES" sz="1200" dirty="0"/>
-              <a:t>Proporciona servicios para intercambiar datos en la red entre terminales identificadas. Determina el mejor camino para mover los datos de un lugar a otro. Usa el esquema de direccionamiento IP (Internet </a:t>
-            </a:r>
-            <a:r>
-              <a:rPr lang="es-ES" sz="1200" dirty="0" err="1"/>
-              <a:t>Protocol</a:t>
-            </a:r>
-            <a:r>
-              <a:rPr lang="es-ES" sz="1200" dirty="0"/>
-              <a:t>).</a:t>
+              <a:t>Proporciona servicios para intercambiar datos en la red entre terminales identificadas. Determina el mejor camino para mover los datos de un lugar a otro. Usa el esquema de direccionamiento IP (Internet Protocol).</a:t>
             </a:r>
           </a:p>
           <a:p>
@@ -26648,15 +26105,7 @@
             </a:r>
             <a:r>
               <a:rPr lang="es-ES" sz="1200" dirty="0"/>
-              <a:t> Proporcionan métodos para intercambiar </a:t>
-            </a:r>
-            <a:r>
-              <a:rPr lang="es-ES" sz="1200" dirty="0" err="1"/>
-              <a:t>frames</a:t>
-            </a:r>
-            <a:r>
-              <a:rPr lang="es-ES" sz="1200" dirty="0"/>
-              <a:t>/tramas entre dispositivos en un medio común. Maneja la detección y control de errores, la topología de la red y el control de flujo. Usa un direccionamiento físico: MAC (Media Access Control). </a:t>
+              <a:t> Proporcionan métodos para intercambiar frames/tramas entre dispositivos en un medio común. Maneja la detección y control de errores, la topología de la red y el control de flujo. Usa un direccionamiento físico: MAC (Media Access Control). </a:t>
             </a:r>
           </a:p>
           <a:p>
@@ -27984,7 +27433,7 @@
               </a:lnSpc>
             </a:pPr>
             <a:r>
-              <a:rPr lang="es-MX" sz="1600" b="1" dirty="0" err="1">
+              <a:rPr lang="es-MX" sz="1600" b="1" dirty="0">
                 <a:solidFill>
                   <a:schemeClr val="accent6">
                     <a:lumMod val="75000"/>
@@ -27992,18 +27441,7 @@
                 </a:solidFill>
                 <a:latin typeface="ZapfHumnst BT"/>
               </a:rPr>
-              <a:t>Overhead</a:t>
-            </a:r>
-            <a:r>
-              <a:rPr lang="es-MX" sz="1600" b="1" dirty="0">
-                <a:solidFill>
-                  <a:schemeClr val="accent6">
-                    <a:lumMod val="75000"/>
-                  </a:schemeClr>
-                </a:solidFill>
-                <a:latin typeface="ZapfHumnst BT"/>
-              </a:rPr>
-              <a:t>. </a:t>
+              <a:t>Overhead. </a:t>
             </a:r>
             <a:r>
               <a:rPr lang="es-MX" sz="1600" dirty="0">
@@ -28834,7 +28272,7 @@
               <a:buChar char="•"/>
             </a:pPr>
             <a:r>
-              <a:rPr lang="es-MX" sz="1600">
+              <a:rPr lang="es-MX" sz="1600" dirty="0">
                 <a:solidFill>
                   <a:schemeClr val="bg2">
                     <a:lumMod val="25000"/>
@@ -28852,7 +28290,7 @@
               </a:lnSpc>
             </a:pPr>
             <a:r>
-              <a:rPr lang="es-MX" sz="1600">
+              <a:rPr lang="es-MX" sz="1600" dirty="0">
                 <a:solidFill>
                   <a:schemeClr val="bg2">
                     <a:lumMod val="25000"/>
@@ -29552,25 +28990,7 @@
                 </a:solidFill>
                 <a:latin typeface="ZapfHumnst BT"/>
               </a:rPr>
-              <a:t>Comunicaciones Peer-</a:t>
-            </a:r>
-            <a:r>
-              <a:rPr lang="es-MX" sz="1800" b="1" kern="0" dirty="0" err="1">
-                <a:solidFill>
-                  <a:srgbClr val="0070C0"/>
-                </a:solidFill>
-                <a:latin typeface="ZapfHumnst BT"/>
-              </a:rPr>
-              <a:t>to</a:t>
-            </a:r>
-            <a:r>
-              <a:rPr lang="es-MX" sz="1800" b="1" kern="0" dirty="0">
-                <a:solidFill>
-                  <a:srgbClr val="0070C0"/>
-                </a:solidFill>
-                <a:latin typeface="ZapfHumnst BT"/>
-              </a:rPr>
-              <a:t>-peer (Igual a igual)</a:t>
+              <a:t>Comunicaciones Peer-to-peer (Igual a igual)</a:t>
             </a:r>
           </a:p>
         </p:txBody>
@@ -30179,29 +29599,7 @@
                 </a:solidFill>
                 <a:latin typeface="ZapfHumnst BT"/>
               </a:rPr>
-              <a:t>Comunicaciones Peer-</a:t>
-            </a:r>
-            <a:r>
-              <a:rPr lang="es-MX" sz="1800" b="1" kern="0" dirty="0" err="1">
-                <a:solidFill>
-                  <a:schemeClr val="accent5">
-                    <a:lumMod val="75000"/>
-                  </a:schemeClr>
-                </a:solidFill>
-                <a:latin typeface="ZapfHumnst BT"/>
-              </a:rPr>
-              <a:t>to</a:t>
-            </a:r>
-            <a:r>
-              <a:rPr lang="es-MX" sz="1800" b="1" kern="0" dirty="0">
-                <a:solidFill>
-                  <a:schemeClr val="accent5">
-                    <a:lumMod val="75000"/>
-                  </a:schemeClr>
-                </a:solidFill>
-                <a:latin typeface="ZapfHumnst BT"/>
-              </a:rPr>
-              <a:t>-peer (Igual a igual)</a:t>
+              <a:t>Comunicaciones Peer-to-peer (Igual a igual)</a:t>
             </a:r>
           </a:p>
           <a:p>
@@ -30248,7 +29646,7 @@
               <a:t> (</a:t>
             </a:r>
             <a:r>
-              <a:rPr lang="es-MX" sz="1800" b="1" kern="0" dirty="0" err="1">
+              <a:rPr lang="es-MX" sz="1800" b="1" kern="0" dirty="0">
                 <a:solidFill>
                   <a:schemeClr val="accent6">
                     <a:lumMod val="75000"/>
@@ -30256,40 +29654,7 @@
                 </a:solidFill>
                 <a:latin typeface="ZapfHumnst BT"/>
               </a:rPr>
-              <a:t>protocol</a:t>
-            </a:r>
-            <a:r>
-              <a:rPr lang="es-MX" sz="1800" b="1" kern="0" dirty="0">
-                <a:solidFill>
-                  <a:schemeClr val="accent6">
-                    <a:lumMod val="75000"/>
-                  </a:schemeClr>
-                </a:solidFill>
-                <a:latin typeface="ZapfHumnst BT"/>
-              </a:rPr>
-              <a:t> data </a:t>
-            </a:r>
-            <a:r>
-              <a:rPr lang="es-MX" sz="1800" b="1" kern="0" dirty="0" err="1">
-                <a:solidFill>
-                  <a:schemeClr val="accent6">
-                    <a:lumMod val="75000"/>
-                  </a:schemeClr>
-                </a:solidFill>
-                <a:latin typeface="ZapfHumnst BT"/>
-              </a:rPr>
-              <a:t>unit</a:t>
-            </a:r>
-            <a:r>
-              <a:rPr lang="es-MX" sz="1800" b="1" kern="0" dirty="0">
-                <a:solidFill>
-                  <a:schemeClr val="accent6">
-                    <a:lumMod val="75000"/>
-                  </a:schemeClr>
-                </a:solidFill>
-                <a:latin typeface="ZapfHumnst BT"/>
-              </a:rPr>
-              <a:t> -PDU)</a:t>
+              <a:t>protocol data unit -PDU)</a:t>
             </a:r>
           </a:p>
         </p:txBody>
@@ -33974,7 +33339,7 @@
           <a:bodyPr wrap="square" lIns="0" tIns="0" rIns="0" bIns="0" rtlCol="0"/>
           <a:lstStyle/>
           <a:p>
-            <a:endParaRPr sz="1350"/>
+            <a:endParaRPr sz="1350" dirty="0"/>
           </a:p>
         </p:txBody>
       </p:sp>
@@ -35992,7 +35357,7 @@
           <a:bodyPr wrap="square" lIns="0" tIns="0" rIns="0" bIns="0" rtlCol="0"/>
           <a:lstStyle/>
           <a:p>
-            <a:endParaRPr sz="1350"/>
+            <a:endParaRPr sz="1350" dirty="0"/>
           </a:p>
         </p:txBody>
       </p:sp>
@@ -38013,7 +37378,7 @@
           <a:bodyPr wrap="square" lIns="0" tIns="0" rIns="0" bIns="0" rtlCol="0"/>
           <a:lstStyle/>
           <a:p>
-            <a:endParaRPr sz="1350"/>
+            <a:endParaRPr sz="1350" dirty="0"/>
           </a:p>
         </p:txBody>
       </p:sp>
@@ -40028,7 +39393,7 @@
           <a:bodyPr wrap="square" lIns="0" tIns="0" rIns="0" bIns="0" rtlCol="0"/>
           <a:lstStyle/>
           <a:p>
-            <a:endParaRPr sz="1350"/>
+            <a:endParaRPr sz="1350" dirty="0"/>
           </a:p>
         </p:txBody>
       </p:sp>
@@ -40057,7 +39422,7 @@
           <a:bodyPr wrap="square" lIns="0" tIns="0" rIns="0" bIns="0" rtlCol="0"/>
           <a:lstStyle/>
           <a:p>
-            <a:endParaRPr sz="1350"/>
+            <a:endParaRPr sz="1350" dirty="0"/>
           </a:p>
         </p:txBody>
       </p:sp>
@@ -40086,7 +39451,7 @@
           <a:bodyPr wrap="square" lIns="0" tIns="0" rIns="0" bIns="0" rtlCol="0"/>
           <a:lstStyle/>
           <a:p>
-            <a:endParaRPr sz="1350"/>
+            <a:endParaRPr sz="1350" dirty="0"/>
           </a:p>
         </p:txBody>
       </p:sp>
@@ -41037,7 +40402,7 @@
               <a:t>d</a:t>
             </a:r>
             <a:r>
-              <a:rPr sz="2100" spc="-15" dirty="0" err="1">
+              <a:rPr lang="es-MX" sz="2100" spc="-15" dirty="0">
                 <a:solidFill>
                   <a:schemeClr val="bg2">
                     <a:lumMod val="25000"/>
@@ -41049,7 +40414,7 @@
               <a:t>ispos</a:t>
             </a:r>
             <a:r>
-              <a:rPr sz="2100" spc="-19" dirty="0" err="1">
+              <a:rPr lang="es-MX" sz="2100" spc="-19" dirty="0">
                 <a:solidFill>
                   <a:schemeClr val="bg2">
                     <a:lumMod val="25000"/>
@@ -41061,7 +40426,7 @@
               <a:t>i</a:t>
             </a:r>
             <a:r>
-              <a:rPr sz="2100" spc="-8" dirty="0" err="1">
+              <a:rPr lang="es-MX" sz="2100" spc="-8" dirty="0">
                 <a:solidFill>
                   <a:schemeClr val="bg2">
                     <a:lumMod val="25000"/>
@@ -41073,7 +40438,7 @@
               <a:t>ti</a:t>
             </a:r>
             <a:r>
-              <a:rPr sz="2100" spc="-38" dirty="0" err="1">
+              <a:rPr lang="es-MX" sz="2100" spc="-38" dirty="0">
                 <a:solidFill>
                   <a:schemeClr val="bg2">
                     <a:lumMod val="25000"/>
@@ -41085,7 +40450,7 @@
               <a:t>v</a:t>
             </a:r>
             <a:r>
-              <a:rPr sz="2100" spc="-15" dirty="0" err="1">
+              <a:rPr lang="es-MX" sz="2100" spc="-15" dirty="0">
                 <a:solidFill>
                   <a:schemeClr val="bg2">
                     <a:lumMod val="25000"/>
@@ -42330,7 +41695,7 @@
           <a:bodyPr wrap="square" lIns="0" tIns="0" rIns="0" bIns="0" rtlCol="0"/>
           <a:lstStyle/>
           <a:p>
-            <a:endParaRPr sz="1350"/>
+            <a:endParaRPr sz="1350" dirty="0"/>
           </a:p>
         </p:txBody>
       </p:sp>
@@ -42478,29 +41843,7 @@
                 </a:solidFill>
                 <a:latin typeface="ZapfHumnst BT"/>
               </a:rPr>
-              <a:t>Comunicaciones Peer-</a:t>
-            </a:r>
-            <a:r>
-              <a:rPr lang="es-MX" sz="1800" b="1" kern="0" dirty="0" err="1">
-                <a:solidFill>
-                  <a:schemeClr val="accent5">
-                    <a:lumMod val="75000"/>
-                  </a:schemeClr>
-                </a:solidFill>
-                <a:latin typeface="ZapfHumnst BT"/>
-              </a:rPr>
-              <a:t>to</a:t>
-            </a:r>
-            <a:r>
-              <a:rPr lang="es-MX" sz="1800" b="1" kern="0" dirty="0">
-                <a:solidFill>
-                  <a:schemeClr val="accent5">
-                    <a:lumMod val="75000"/>
-                  </a:schemeClr>
-                </a:solidFill>
-                <a:latin typeface="ZapfHumnst BT"/>
-              </a:rPr>
-              <a:t>-peer (Igual a igual)</a:t>
+              <a:t>Comunicaciones Peer-to-peer (Igual a igual)</a:t>
             </a:r>
           </a:p>
         </p:txBody>
@@ -43649,55 +42992,7 @@
                 <a:latin typeface="ZapfHumnst BT"/>
                 <a:cs typeface="Arial" pitchFamily="34" charset="0"/>
               </a:rPr>
-              <a:t>Open </a:t>
-            </a:r>
-            <a:r>
-              <a:rPr lang="es-MX" b="1" dirty="0" err="1">
-                <a:solidFill>
-                  <a:schemeClr val="accent5">
-                    <a:lumMod val="75000"/>
-                  </a:schemeClr>
-                </a:solidFill>
-                <a:latin typeface="ZapfHumnst BT"/>
-                <a:cs typeface="Arial" pitchFamily="34" charset="0"/>
-              </a:rPr>
-              <a:t>System</a:t>
-            </a:r>
-            <a:r>
-              <a:rPr lang="es-MX" b="1" dirty="0">
-                <a:solidFill>
-                  <a:schemeClr val="accent5">
-                    <a:lumMod val="75000"/>
-                  </a:schemeClr>
-                </a:solidFill>
-                <a:latin typeface="ZapfHumnst BT"/>
-                <a:cs typeface="Arial" pitchFamily="34" charset="0"/>
-              </a:rPr>
-              <a:t> </a:t>
-            </a:r>
-            <a:r>
-              <a:rPr lang="es-MX" b="1" dirty="0" err="1">
-                <a:solidFill>
-                  <a:schemeClr val="accent5">
-                    <a:lumMod val="75000"/>
-                  </a:schemeClr>
-                </a:solidFill>
-                <a:latin typeface="ZapfHumnst BT"/>
-                <a:cs typeface="Arial" pitchFamily="34" charset="0"/>
-              </a:rPr>
-              <a:t>Interconnection</a:t>
-            </a:r>
-            <a:r>
-              <a:rPr lang="es-MX" b="1" dirty="0">
-                <a:solidFill>
-                  <a:schemeClr val="accent5">
-                    <a:lumMod val="75000"/>
-                  </a:schemeClr>
-                </a:solidFill>
-                <a:latin typeface="ZapfHumnst BT"/>
-                <a:cs typeface="Arial" pitchFamily="34" charset="0"/>
-              </a:rPr>
-              <a:t> (OSI)</a:t>
+              <a:t>Open System Interconnection (OSI)</a:t>
             </a:r>
           </a:p>
         </p:txBody>
@@ -44458,7 +43753,7 @@
                 </a:solidFill>
                 <a:latin typeface="ZapfHumnst BT"/>
               </a:rPr>
-              <a:t>, en primer término los datos deben empaquetarse a través de un proceso denominado </a:t>
+              <a:t>, en primer término, los datos deben empaquetarse a través de un proceso denominado </a:t>
             </a:r>
             <a:r>
               <a:rPr lang="es-ES" sz="1600" b="1" kern="0" dirty="0">
@@ -45667,19 +44962,7 @@
               <a:rPr lang="es-MX" sz="1600" kern="0" dirty="0">
                 <a:latin typeface="ZapfHumnst BT"/>
               </a:rPr>
-              <a:t>, que normalmente añade una cabecera y una cola. La unidad de datos de la capa 2, llamada trama (</a:t>
-            </a:r>
-            <a:r>
-              <a:rPr lang="es-MX" sz="1600" kern="0" dirty="0" err="1">
-                <a:latin typeface="ZapfHumnst BT"/>
-              </a:rPr>
-              <a:t>frame</a:t>
-            </a:r>
-            <a:r>
-              <a:rPr lang="es-MX" sz="1600" kern="0" dirty="0">
-                <a:latin typeface="ZapfHumnst BT"/>
-              </a:rPr>
-              <a:t>), se pasa al medio de transmisión mediante la </a:t>
+              <a:t>, que normalmente añade una cabecera y una cola. La unidad de datos de la capa 2, llamada trama (frame), se pasa al medio de transmisión mediante la </a:t>
             </a:r>
             <a:r>
               <a:rPr lang="es-MX" sz="1600" b="1" kern="0" dirty="0">
@@ -46656,7 +45939,7 @@
             <a:p>
               <a:pPr algn="ctr" eaLnBrk="0" hangingPunct="0"/>
               <a:r>
-                <a:rPr lang="es-MX" sz="1300" b="1">
+                <a:rPr lang="es-MX" sz="1300" b="1" dirty="0">
                   <a:latin typeface="Arial" pitchFamily="34" charset="0"/>
                   <a:cs typeface="Arial" pitchFamily="34" charset="0"/>
                 </a:rPr>
@@ -46701,7 +45984,7 @@
             <a:p>
               <a:pPr algn="ctr" eaLnBrk="0" hangingPunct="0"/>
               <a:r>
-                <a:rPr lang="es-MX" sz="1200" b="1">
+                <a:rPr lang="es-MX" sz="1200" b="1" dirty="0">
                   <a:latin typeface="Arial" pitchFamily="34" charset="0"/>
                   <a:cs typeface="Arial" pitchFamily="34" charset="0"/>
                 </a:rPr>
@@ -46746,7 +46029,7 @@
             <a:p>
               <a:pPr algn="ctr" eaLnBrk="0" hangingPunct="0"/>
               <a:r>
-                <a:rPr lang="es-MX" sz="1300" b="1">
+                <a:rPr lang="es-MX" sz="1300" b="1" dirty="0">
                   <a:latin typeface="Arial" pitchFamily="34" charset="0"/>
                   <a:cs typeface="Arial" pitchFamily="34" charset="0"/>
                 </a:rPr>
@@ -46789,7 +46072,7 @@
             <a:p>
               <a:pPr algn="ctr" eaLnBrk="0" hangingPunct="0"/>
               <a:r>
-                <a:rPr lang="es-MX" sz="1000" b="1">
+                <a:rPr lang="es-MX" sz="1000" b="1" dirty="0">
                   <a:latin typeface="Arial" pitchFamily="34" charset="0"/>
                   <a:cs typeface="Arial" pitchFamily="34" charset="0"/>
                 </a:rPr>
@@ -46832,7 +46115,7 @@
             <a:p>
               <a:pPr algn="ctr" eaLnBrk="0" hangingPunct="0"/>
               <a:r>
-                <a:rPr lang="es-MX" sz="900" b="1">
+                <a:rPr lang="es-MX" sz="900" b="1" dirty="0">
                   <a:latin typeface="Arial" pitchFamily="34" charset="0"/>
                   <a:cs typeface="Arial" pitchFamily="34" charset="0"/>
                 </a:rPr>
@@ -46875,7 +46158,7 @@
             <a:p>
               <a:pPr algn="ctr" eaLnBrk="0" hangingPunct="0"/>
               <a:r>
-                <a:rPr lang="es-MX" sz="1000" b="1">
+                <a:rPr lang="es-MX" sz="1000" b="1" dirty="0">
                   <a:latin typeface="Arial" pitchFamily="34" charset="0"/>
                   <a:cs typeface="Arial" pitchFamily="34" charset="0"/>
                 </a:rPr>
@@ -46918,7 +46201,7 @@
             <a:p>
               <a:pPr algn="ctr" eaLnBrk="0" hangingPunct="0"/>
               <a:r>
-                <a:rPr lang="es-MX" sz="1000" b="1">
+                <a:rPr lang="es-MX" sz="1000" b="1" dirty="0">
                   <a:latin typeface="Arial" pitchFamily="34" charset="0"/>
                   <a:cs typeface="Arial" pitchFamily="34" charset="0"/>
                 </a:rPr>
@@ -46961,7 +46244,7 @@
             <a:p>
               <a:pPr algn="ctr" eaLnBrk="0" hangingPunct="0"/>
               <a:r>
-                <a:rPr lang="es-MX" sz="1000" b="1">
+                <a:rPr lang="es-MX" sz="1000" b="1" dirty="0">
                   <a:latin typeface="Arial" pitchFamily="34" charset="0"/>
                   <a:cs typeface="Arial" pitchFamily="34" charset="0"/>
                 </a:rPr>
@@ -47004,7 +46287,7 @@
             <a:p>
               <a:pPr algn="ctr" eaLnBrk="0" hangingPunct="0"/>
               <a:r>
-                <a:rPr lang="es-MX" sz="1000" b="1">
+                <a:rPr lang="es-MX" sz="1000" b="1" dirty="0">
                   <a:latin typeface="Arial" pitchFamily="34" charset="0"/>
                   <a:cs typeface="Arial" pitchFamily="34" charset="0"/>
                 </a:rPr>
@@ -47049,7 +46332,7 @@
             <a:p>
               <a:pPr algn="ctr" eaLnBrk="0" hangingPunct="0"/>
               <a:r>
-                <a:rPr lang="es-MX" sz="1300" b="1">
+                <a:rPr lang="es-MX" sz="1300" b="1" dirty="0">
                   <a:latin typeface="Arial" pitchFamily="34" charset="0"/>
                   <a:cs typeface="Arial" pitchFamily="34" charset="0"/>
                 </a:rPr>
@@ -47094,7 +46377,7 @@
             <a:p>
               <a:pPr algn="ctr" eaLnBrk="0" hangingPunct="0"/>
               <a:r>
-                <a:rPr lang="es-MX" sz="1300" b="1">
+                <a:rPr lang="es-MX" sz="1300" b="1" dirty="0">
                   <a:latin typeface="Arial" pitchFamily="34" charset="0"/>
                   <a:cs typeface="Arial" pitchFamily="34" charset="0"/>
                 </a:rPr>
@@ -47139,7 +46422,7 @@
             <a:p>
               <a:pPr algn="ctr" eaLnBrk="0" hangingPunct="0"/>
               <a:r>
-                <a:rPr lang="es-MX" sz="1300" b="1">
+                <a:rPr lang="es-MX" sz="1300" b="1" dirty="0">
                   <a:latin typeface="Arial" pitchFamily="34" charset="0"/>
                   <a:cs typeface="Arial" pitchFamily="34" charset="0"/>
                 </a:rPr>
@@ -47184,7 +46467,7 @@
             <a:p>
               <a:pPr algn="ctr" eaLnBrk="0" hangingPunct="0"/>
               <a:r>
-                <a:rPr lang="es-MX" sz="1300" b="1">
+                <a:rPr lang="es-MX" sz="1300" b="1" dirty="0">
                   <a:latin typeface="Arial" pitchFamily="34" charset="0"/>
                   <a:cs typeface="Arial" pitchFamily="34" charset="0"/>
                 </a:rPr>
@@ -47227,7 +46510,7 @@
             <a:p>
               <a:pPr algn="ctr" eaLnBrk="0" hangingPunct="0"/>
               <a:r>
-                <a:rPr lang="es-MX" sz="1000" b="1">
+                <a:rPr lang="es-MX" sz="1000" b="1" dirty="0">
                   <a:latin typeface="Arial" pitchFamily="34" charset="0"/>
                   <a:cs typeface="Arial" pitchFamily="34" charset="0"/>
                 </a:rPr>
@@ -47270,7 +46553,7 @@
             <a:p>
               <a:pPr algn="ctr" eaLnBrk="0" hangingPunct="0"/>
               <a:r>
-                <a:rPr lang="es-MX" sz="1000" b="1">
+                <a:rPr lang="es-MX" sz="1000" b="1" dirty="0">
                   <a:latin typeface="Arial" pitchFamily="34" charset="0"/>
                   <a:cs typeface="Arial" pitchFamily="34" charset="0"/>
                 </a:rPr>
@@ -47313,7 +46596,7 @@
             <a:p>
               <a:pPr algn="ctr" eaLnBrk="0" hangingPunct="0"/>
               <a:r>
-                <a:rPr lang="es-MX" sz="1000" b="1">
+                <a:rPr lang="es-MX" sz="1000" b="1" dirty="0">
                   <a:latin typeface="Arial" pitchFamily="34" charset="0"/>
                   <a:cs typeface="Arial" pitchFamily="34" charset="0"/>
                 </a:rPr>
@@ -47356,7 +46639,7 @@
             <a:p>
               <a:pPr algn="ctr" eaLnBrk="0" hangingPunct="0"/>
               <a:r>
-                <a:rPr lang="es-MX" sz="1000" b="1">
+                <a:rPr lang="es-MX" sz="1000" b="1" dirty="0">
                   <a:latin typeface="Arial" pitchFamily="34" charset="0"/>
                   <a:cs typeface="Arial" pitchFamily="34" charset="0"/>
                 </a:rPr>
@@ -47399,7 +46682,7 @@
             <a:p>
               <a:pPr algn="ctr" eaLnBrk="0" hangingPunct="0"/>
               <a:r>
-                <a:rPr lang="es-MX" sz="1000" b="1">
+                <a:rPr lang="es-MX" sz="1000" b="1" dirty="0">
                   <a:latin typeface="Arial" pitchFamily="34" charset="0"/>
                   <a:cs typeface="Arial" pitchFamily="34" charset="0"/>
                 </a:rPr>
@@ -47442,7 +46725,7 @@
             <a:p>
               <a:pPr algn="ctr" eaLnBrk="0" hangingPunct="0"/>
               <a:r>
-                <a:rPr lang="es-MX" sz="1000" b="1">
+                <a:rPr lang="es-MX" sz="1000" b="1" dirty="0">
                   <a:latin typeface="Arial" pitchFamily="34" charset="0"/>
                   <a:cs typeface="Arial" pitchFamily="34" charset="0"/>
                 </a:rPr>
@@ -47485,7 +46768,7 @@
             <a:p>
               <a:pPr algn="ctr" eaLnBrk="0" hangingPunct="0"/>
               <a:r>
-                <a:rPr lang="es-MX" sz="1000" b="1">
+                <a:rPr lang="es-MX" sz="1000" b="1" dirty="0">
                   <a:latin typeface="Arial" pitchFamily="34" charset="0"/>
                   <a:cs typeface="Arial" pitchFamily="34" charset="0"/>
                 </a:rPr>
@@ -47528,7 +46811,7 @@
             <a:p>
               <a:pPr algn="ctr" eaLnBrk="0" hangingPunct="0"/>
               <a:r>
-                <a:rPr lang="es-MX" sz="1000" b="1">
+                <a:rPr lang="es-MX" sz="1000" b="1" dirty="0">
                   <a:latin typeface="Arial" pitchFamily="34" charset="0"/>
                   <a:cs typeface="Arial" pitchFamily="34" charset="0"/>
                 </a:rPr>
@@ -47573,7 +46856,7 @@
             <a:p>
               <a:pPr algn="ctr" eaLnBrk="0" hangingPunct="0"/>
               <a:r>
-                <a:rPr lang="es-MX" sz="1300" b="1">
+                <a:rPr lang="es-MX" sz="1300" b="1" dirty="0">
                   <a:latin typeface="Arial" pitchFamily="34" charset="0"/>
                   <a:cs typeface="Arial" pitchFamily="34" charset="0"/>
                 </a:rPr>
@@ -47618,7 +46901,7 @@
             <a:p>
               <a:pPr algn="ctr" eaLnBrk="0" hangingPunct="0"/>
               <a:r>
-                <a:rPr lang="es-MX" sz="1200" b="1">
+                <a:rPr lang="es-MX" sz="1200" b="1" dirty="0">
                   <a:latin typeface="Arial" pitchFamily="34" charset="0"/>
                   <a:cs typeface="Arial" pitchFamily="34" charset="0"/>
                 </a:rPr>
@@ -47663,7 +46946,7 @@
             <a:p>
               <a:pPr algn="ctr" eaLnBrk="0" hangingPunct="0"/>
               <a:r>
-                <a:rPr lang="es-MX" sz="1300" b="1">
+                <a:rPr lang="es-MX" sz="1300" b="1" dirty="0">
                   <a:latin typeface="Arial" pitchFamily="34" charset="0"/>
                   <a:cs typeface="Arial" pitchFamily="34" charset="0"/>
                 </a:rPr>
@@ -47706,7 +46989,7 @@
             <a:p>
               <a:pPr algn="ctr" eaLnBrk="0" hangingPunct="0"/>
               <a:r>
-                <a:rPr lang="es-MX" sz="1000" b="1">
+                <a:rPr lang="es-MX" sz="1000" b="1" dirty="0">
                   <a:latin typeface="Arial" pitchFamily="34" charset="0"/>
                   <a:cs typeface="Arial" pitchFamily="34" charset="0"/>
                 </a:rPr>
@@ -47749,7 +47032,7 @@
             <a:p>
               <a:pPr algn="ctr" eaLnBrk="0" hangingPunct="0"/>
               <a:r>
-                <a:rPr lang="es-MX" sz="900" b="1">
+                <a:rPr lang="es-MX" sz="900" b="1" dirty="0">
                   <a:latin typeface="Arial" pitchFamily="34" charset="0"/>
                   <a:cs typeface="Arial" pitchFamily="34" charset="0"/>
                 </a:rPr>
@@ -47792,7 +47075,7 @@
             <a:p>
               <a:pPr algn="ctr" eaLnBrk="0" hangingPunct="0"/>
               <a:r>
-                <a:rPr lang="es-MX" sz="1000" b="1">
+                <a:rPr lang="es-MX" sz="1000" b="1" dirty="0">
                   <a:latin typeface="Arial" pitchFamily="34" charset="0"/>
                   <a:cs typeface="Arial" pitchFamily="34" charset="0"/>
                 </a:rPr>
@@ -47835,7 +47118,7 @@
             <a:p>
               <a:pPr algn="ctr" eaLnBrk="0" hangingPunct="0"/>
               <a:r>
-                <a:rPr lang="es-MX" sz="1000" b="1">
+                <a:rPr lang="es-MX" sz="1000" b="1" dirty="0">
                   <a:latin typeface="Arial" pitchFamily="34" charset="0"/>
                   <a:cs typeface="Arial" pitchFamily="34" charset="0"/>
                 </a:rPr>
@@ -47878,7 +47161,7 @@
             <a:p>
               <a:pPr algn="ctr" eaLnBrk="0" hangingPunct="0"/>
               <a:r>
-                <a:rPr lang="es-MX" sz="1000" b="1">
+                <a:rPr lang="es-MX" sz="1000" b="1" dirty="0">
                   <a:latin typeface="Arial" pitchFamily="34" charset="0"/>
                   <a:cs typeface="Arial" pitchFamily="34" charset="0"/>
                 </a:rPr>
@@ -47921,7 +47204,7 @@
             <a:p>
               <a:pPr algn="ctr" eaLnBrk="0" hangingPunct="0"/>
               <a:r>
-                <a:rPr lang="es-MX" sz="1000" b="1">
+                <a:rPr lang="es-MX" sz="1000" b="1" dirty="0">
                   <a:latin typeface="Arial" pitchFamily="34" charset="0"/>
                   <a:cs typeface="Arial" pitchFamily="34" charset="0"/>
                 </a:rPr>
@@ -47966,7 +47249,7 @@
             <a:p>
               <a:pPr algn="ctr" eaLnBrk="0" hangingPunct="0"/>
               <a:r>
-                <a:rPr lang="es-MX" sz="1300" b="1">
+                <a:rPr lang="es-MX" sz="1300" b="1" dirty="0">
                   <a:latin typeface="Arial" pitchFamily="34" charset="0"/>
                   <a:cs typeface="Arial" pitchFamily="34" charset="0"/>
                 </a:rPr>
@@ -48011,7 +47294,7 @@
             <a:p>
               <a:pPr algn="ctr" eaLnBrk="0" hangingPunct="0"/>
               <a:r>
-                <a:rPr lang="es-MX" sz="1300" b="1">
+                <a:rPr lang="es-MX" sz="1300" b="1" dirty="0">
                   <a:latin typeface="Arial" pitchFamily="34" charset="0"/>
                   <a:cs typeface="Arial" pitchFamily="34" charset="0"/>
                 </a:rPr>
@@ -48056,7 +47339,7 @@
             <a:p>
               <a:pPr algn="ctr" eaLnBrk="0" hangingPunct="0"/>
               <a:r>
-                <a:rPr lang="es-MX" sz="1300" b="1">
+                <a:rPr lang="es-MX" sz="1300" b="1" dirty="0">
                   <a:latin typeface="Arial" pitchFamily="34" charset="0"/>
                   <a:cs typeface="Arial" pitchFamily="34" charset="0"/>
                 </a:rPr>
@@ -48101,7 +47384,7 @@
             <a:p>
               <a:pPr algn="ctr" eaLnBrk="0" hangingPunct="0"/>
               <a:r>
-                <a:rPr lang="es-MX" sz="1300" b="1">
+                <a:rPr lang="es-MX" sz="1300" b="1" dirty="0">
                   <a:latin typeface="Arial" pitchFamily="34" charset="0"/>
                   <a:cs typeface="Arial" pitchFamily="34" charset="0"/>
                 </a:rPr>
@@ -48144,7 +47427,7 @@
             <a:p>
               <a:pPr algn="ctr" eaLnBrk="0" hangingPunct="0"/>
               <a:r>
-                <a:rPr lang="es-MX" sz="1000" b="1">
+                <a:rPr lang="es-MX" sz="1000" b="1" dirty="0">
                   <a:latin typeface="Arial" pitchFamily="34" charset="0"/>
                   <a:cs typeface="Arial" pitchFamily="34" charset="0"/>
                 </a:rPr>
@@ -48187,7 +47470,7 @@
             <a:p>
               <a:pPr algn="ctr" eaLnBrk="0" hangingPunct="0"/>
               <a:r>
-                <a:rPr lang="es-MX" sz="1000" b="1">
+                <a:rPr lang="es-MX" sz="1000" b="1" dirty="0">
                   <a:latin typeface="Arial" pitchFamily="34" charset="0"/>
                   <a:cs typeface="Arial" pitchFamily="34" charset="0"/>
                 </a:rPr>
@@ -48230,7 +47513,7 @@
             <a:p>
               <a:pPr algn="ctr" eaLnBrk="0" hangingPunct="0"/>
               <a:r>
-                <a:rPr lang="es-MX" sz="1000" b="1">
+                <a:rPr lang="es-MX" sz="1000" b="1" dirty="0">
                   <a:latin typeface="Arial" pitchFamily="34" charset="0"/>
                   <a:cs typeface="Arial" pitchFamily="34" charset="0"/>
                 </a:rPr>
@@ -48273,7 +47556,7 @@
             <a:p>
               <a:pPr algn="ctr" eaLnBrk="0" hangingPunct="0"/>
               <a:r>
-                <a:rPr lang="es-MX" sz="1000" b="1">
+                <a:rPr lang="es-MX" sz="1000" b="1" dirty="0">
                   <a:latin typeface="Arial" pitchFamily="34" charset="0"/>
                   <a:cs typeface="Arial" pitchFamily="34" charset="0"/>
                 </a:rPr>
@@ -48316,7 +47599,7 @@
             <a:p>
               <a:pPr algn="ctr" eaLnBrk="0" hangingPunct="0"/>
               <a:r>
-                <a:rPr lang="es-MX" sz="1000" b="1">
+                <a:rPr lang="es-MX" sz="1000" b="1" dirty="0">
                   <a:latin typeface="Arial" pitchFamily="34" charset="0"/>
                   <a:cs typeface="Arial" pitchFamily="34" charset="0"/>
                 </a:rPr>
@@ -48359,7 +47642,7 @@
             <a:p>
               <a:pPr algn="ctr" eaLnBrk="0" hangingPunct="0"/>
               <a:r>
-                <a:rPr lang="es-MX" sz="1000" b="1">
+                <a:rPr lang="es-MX" sz="1000" b="1" dirty="0">
                   <a:latin typeface="Arial" pitchFamily="34" charset="0"/>
                   <a:cs typeface="Arial" pitchFamily="34" charset="0"/>
                 </a:rPr>
@@ -48402,7 +47685,7 @@
             <a:p>
               <a:pPr algn="ctr" eaLnBrk="0" hangingPunct="0"/>
               <a:r>
-                <a:rPr lang="es-MX" sz="1000" b="1">
+                <a:rPr lang="es-MX" sz="1000" b="1" dirty="0">
                   <a:latin typeface="Arial" pitchFamily="34" charset="0"/>
                   <a:cs typeface="Arial" pitchFamily="34" charset="0"/>
                 </a:rPr>
@@ -48445,7 +47728,7 @@
             <a:p>
               <a:pPr algn="ctr" eaLnBrk="0" hangingPunct="0"/>
               <a:r>
-                <a:rPr lang="es-MX" sz="1000" b="1">
+                <a:rPr lang="es-MX" sz="1000" b="1" dirty="0">
                   <a:latin typeface="Arial" pitchFamily="34" charset="0"/>
                   <a:cs typeface="Arial" pitchFamily="34" charset="0"/>
                 </a:rPr>
@@ -48527,7 +47810,7 @@
             <a:lstStyle/>
             <a:p>
               <a:pPr eaLnBrk="0" hangingPunct="0"/>
-              <a:endParaRPr lang="es-MX"/>
+              <a:endParaRPr lang="es-MX" dirty="0"/>
             </a:p>
           </p:txBody>
         </p:sp>
@@ -48676,7 +47959,7 @@
             <a:p>
               <a:pPr algn="ctr"/>
               <a:r>
-                <a:rPr lang="es-MX" sz="1400" b="1">
+                <a:rPr lang="es-MX" sz="1400" b="1" dirty="0">
                   <a:latin typeface="Arial" pitchFamily="34" charset="0"/>
                   <a:cs typeface="Arial" pitchFamily="34" charset="0"/>
                 </a:rPr>
@@ -49306,7 +48589,7 @@
             <a:p>
               <a:pPr algn="ctr"/>
               <a:r>
-                <a:rPr lang="es-MX" sz="1400" b="1">
+                <a:rPr lang="es-MX" sz="1400" b="1" dirty="0">
                   <a:latin typeface="Arial" pitchFamily="34" charset="0"/>
                   <a:cs typeface="Arial" pitchFamily="34" charset="0"/>
                 </a:rPr>
@@ -49349,7 +48632,7 @@
             <a:p>
               <a:pPr eaLnBrk="0" hangingPunct="0"/>
               <a:r>
-                <a:rPr lang="es-MX" sz="1000" b="1">
+                <a:rPr lang="es-MX" sz="1000" b="1" dirty="0">
                   <a:latin typeface="Arial" pitchFamily="34" charset="0"/>
                   <a:cs typeface="Arial" pitchFamily="34" charset="0"/>
                 </a:rPr>
@@ -49392,7 +48675,7 @@
             <a:p>
               <a:pPr eaLnBrk="0" hangingPunct="0"/>
               <a:r>
-                <a:rPr lang="es-MX" sz="1000" b="1">
+                <a:rPr lang="es-MX" sz="1000" b="1" dirty="0">
                   <a:latin typeface="Arial" pitchFamily="34" charset="0"/>
                   <a:cs typeface="Arial" pitchFamily="34" charset="0"/>
                 </a:rPr>
